--- a/outputs/forpub/z_old_versions/study_area.pptx
+++ b/outputs/forpub/z_old_versions/study_area.pptx
@@ -198,7 +198,7 @@
           <a:p>
             <a:fld id="{45C1E089-EB49-594F-AE5A-A8371D48B6D9}" type="datetimeFigureOut">
               <a:rPr lang="en-US" smtClean="0"/>
-              <a:t>11/2/23</a:t>
+              <a:t>11/7/23</a:t>
             </a:fld>
             <a:endParaRPr lang="en-US"/>
           </a:p>
@@ -696,7 +696,7 @@
           <a:p>
             <a:fld id="{79CA2621-9C9E-8341-B92B-7B23C30F706B}" type="datetimeFigureOut">
               <a:rPr lang="en-US" smtClean="0"/>
-              <a:t>11/2/23</a:t>
+              <a:t>11/7/23</a:t>
             </a:fld>
             <a:endParaRPr lang="en-US"/>
           </a:p>
@@ -894,7 +894,7 @@
           <a:p>
             <a:fld id="{79CA2621-9C9E-8341-B92B-7B23C30F706B}" type="datetimeFigureOut">
               <a:rPr lang="en-US" smtClean="0"/>
-              <a:t>11/2/23</a:t>
+              <a:t>11/7/23</a:t>
             </a:fld>
             <a:endParaRPr lang="en-US"/>
           </a:p>
@@ -1102,7 +1102,7 @@
           <a:p>
             <a:fld id="{79CA2621-9C9E-8341-B92B-7B23C30F706B}" type="datetimeFigureOut">
               <a:rPr lang="en-US" smtClean="0"/>
-              <a:t>11/2/23</a:t>
+              <a:t>11/7/23</a:t>
             </a:fld>
             <a:endParaRPr lang="en-US"/>
           </a:p>
@@ -1300,7 +1300,7 @@
           <a:p>
             <a:fld id="{79CA2621-9C9E-8341-B92B-7B23C30F706B}" type="datetimeFigureOut">
               <a:rPr lang="en-US" smtClean="0"/>
-              <a:t>11/2/23</a:t>
+              <a:t>11/7/23</a:t>
             </a:fld>
             <a:endParaRPr lang="en-US"/>
           </a:p>
@@ -1575,7 +1575,7 @@
           <a:p>
             <a:fld id="{79CA2621-9C9E-8341-B92B-7B23C30F706B}" type="datetimeFigureOut">
               <a:rPr lang="en-US" smtClean="0"/>
-              <a:t>11/2/23</a:t>
+              <a:t>11/7/23</a:t>
             </a:fld>
             <a:endParaRPr lang="en-US"/>
           </a:p>
@@ -1840,7 +1840,7 @@
           <a:p>
             <a:fld id="{79CA2621-9C9E-8341-B92B-7B23C30F706B}" type="datetimeFigureOut">
               <a:rPr lang="en-US" smtClean="0"/>
-              <a:t>11/2/23</a:t>
+              <a:t>11/7/23</a:t>
             </a:fld>
             <a:endParaRPr lang="en-US"/>
           </a:p>
@@ -2252,7 +2252,7 @@
           <a:p>
             <a:fld id="{79CA2621-9C9E-8341-B92B-7B23C30F706B}" type="datetimeFigureOut">
               <a:rPr lang="en-US" smtClean="0"/>
-              <a:t>11/2/23</a:t>
+              <a:t>11/7/23</a:t>
             </a:fld>
             <a:endParaRPr lang="en-US"/>
           </a:p>
@@ -2393,7 +2393,7 @@
           <a:p>
             <a:fld id="{79CA2621-9C9E-8341-B92B-7B23C30F706B}" type="datetimeFigureOut">
               <a:rPr lang="en-US" smtClean="0"/>
-              <a:t>11/2/23</a:t>
+              <a:t>11/7/23</a:t>
             </a:fld>
             <a:endParaRPr lang="en-US"/>
           </a:p>
@@ -2506,7 +2506,7 @@
           <a:p>
             <a:fld id="{79CA2621-9C9E-8341-B92B-7B23C30F706B}" type="datetimeFigureOut">
               <a:rPr lang="en-US" smtClean="0"/>
-              <a:t>11/2/23</a:t>
+              <a:t>11/7/23</a:t>
             </a:fld>
             <a:endParaRPr lang="en-US"/>
           </a:p>
@@ -2817,7 +2817,7 @@
           <a:p>
             <a:fld id="{79CA2621-9C9E-8341-B92B-7B23C30F706B}" type="datetimeFigureOut">
               <a:rPr lang="en-US" smtClean="0"/>
-              <a:t>11/2/23</a:t>
+              <a:t>11/7/23</a:t>
             </a:fld>
             <a:endParaRPr lang="en-US"/>
           </a:p>
@@ -3105,7 +3105,7 @@
           <a:p>
             <a:fld id="{79CA2621-9C9E-8341-B92B-7B23C30F706B}" type="datetimeFigureOut">
               <a:rPr lang="en-US" smtClean="0"/>
-              <a:t>11/2/23</a:t>
+              <a:t>11/7/23</a:t>
             </a:fld>
             <a:endParaRPr lang="en-US"/>
           </a:p>
@@ -3346,7 +3346,7 @@
           <a:p>
             <a:fld id="{79CA2621-9C9E-8341-B92B-7B23C30F706B}" type="datetimeFigureOut">
               <a:rPr lang="en-US" smtClean="0"/>
-              <a:t>11/2/23</a:t>
+              <a:t>11/7/23</a:t>
             </a:fld>
             <a:endParaRPr lang="en-US"/>
           </a:p>
@@ -4400,6 +4400,36 @@
           </a:p>
         </p:txBody>
       </p:sp>
+      <p:pic>
+        <p:nvPicPr>
+          <p:cNvPr id="5" name="Picture 4" descr="A black background with a black square&#10;&#10;Description automatically generated with medium confidence">
+            <a:extLst>
+              <a:ext uri="{FF2B5EF4-FFF2-40B4-BE49-F238E27FC236}">
+                <a16:creationId xmlns:a16="http://schemas.microsoft.com/office/drawing/2014/main" id="{18F60166-663E-71E6-DC7F-27B001CA419A}"/>
+              </a:ext>
+            </a:extLst>
+          </p:cNvPr>
+          <p:cNvPicPr>
+            <a:picLocks noChangeAspect="1"/>
+          </p:cNvPicPr>
+          <p:nvPr/>
+        </p:nvPicPr>
+        <p:blipFill>
+          <a:blip r:embed="rId6"/>
+          <a:stretch>
+            <a:fillRect/>
+          </a:stretch>
+        </p:blipFill>
+        <p:spPr>
+          <a:xfrm>
+            <a:off x="9351489" y="6735939"/>
+            <a:ext cx="1287127" cy="1638162"/>
+          </a:xfrm>
+          <a:prstGeom prst="rect">
+            <a:avLst/>
+          </a:prstGeom>
+        </p:spPr>
+      </p:pic>
     </p:spTree>
     <p:extLst>
       <p:ext uri="{BB962C8B-B14F-4D97-AF65-F5344CB8AC3E}">
